--- a/docs/diagrams/CsvLessonStorageSequenceDiagram.pptx
+++ b/docs/diagrams/CsvLessonStorageSequenceDiagram.pptx
@@ -3534,7 +3534,7 @@
         </p:nvSpPr>
         <p:spPr>
           <a:xfrm>
-            <a:off x="807500" y="228600"/>
+            <a:off x="1377812" y="231630"/>
             <a:ext cx="1093635" cy="346760"/>
           </a:xfrm>
           <a:prstGeom prst="rect">
@@ -3595,7 +3595,7 @@
         </p:nvCxnSpPr>
         <p:spPr>
           <a:xfrm>
-            <a:off x="1324761" y="592271"/>
+            <a:off x="1895073" y="595301"/>
             <a:ext cx="0" cy="4284529"/>
           </a:xfrm>
           <a:prstGeom prst="line">
@@ -3632,7 +3632,7 @@
         </p:nvSpPr>
         <p:spPr>
           <a:xfrm>
-            <a:off x="1252753" y="942965"/>
+            <a:off x="1823065" y="945995"/>
             <a:ext cx="157884" cy="3824515"/>
           </a:xfrm>
           <a:prstGeom prst="rect">
@@ -3983,7 +3983,7 @@
         </p:nvCxnSpPr>
         <p:spPr>
           <a:xfrm flipV="1">
-            <a:off x="153601" y="943175"/>
+            <a:off x="723913" y="946205"/>
             <a:ext cx="1095607" cy="1"/>
           </a:xfrm>
           <a:prstGeom prst="straightConnector1">
@@ -4019,7 +4019,7 @@
         </p:nvSpPr>
         <p:spPr>
           <a:xfrm>
-            <a:off x="107342" y="1008004"/>
+            <a:off x="677654" y="1011034"/>
             <a:ext cx="1087245" cy="215444"/>
           </a:xfrm>
           <a:prstGeom prst="rect">
@@ -4035,10 +4035,9 @@
           <a:p>
             <a:pPr algn="ctr"/>
             <a:r>
-              <a:rPr lang="en-US" sz="1400" dirty="0" err="1"/>
-              <a:t>reloadLessons</a:t>
-            </a:r>
-            <a:endParaRPr lang="en-US" sz="1400" dirty="0"/>
+              <a:rPr lang="en-US" sz="1400" dirty="0"/>
+              <a:t>reload</a:t>
+            </a:r>
           </a:p>
         </p:txBody>
       </p:sp>
@@ -4052,8 +4051,8 @@
         </p:nvCxnSpPr>
         <p:spPr>
           <a:xfrm>
-            <a:off x="1394759" y="1048648"/>
-            <a:ext cx="2050129" cy="0"/>
+            <a:off x="1966823" y="1048648"/>
+            <a:ext cx="1478065" cy="0"/>
           </a:xfrm>
           <a:prstGeom prst="straightConnector1">
             <a:avLst/>
@@ -4088,7 +4087,7 @@
         </p:nvSpPr>
         <p:spPr>
           <a:xfrm>
-            <a:off x="1332950" y="1049398"/>
+            <a:off x="1594344" y="1058129"/>
             <a:ext cx="2185668" cy="215444"/>
           </a:xfrm>
           <a:prstGeom prst="rect">
@@ -4109,23 +4108,7 @@
                   <a:srgbClr val="0070C0"/>
                 </a:solidFill>
               </a:rPr>
-              <a:t>execute(“</a:t>
-            </a:r>
-            <a:r>
-              <a:rPr lang="en-US" sz="1400" dirty="0" err="1">
-                <a:solidFill>
-                  <a:srgbClr val="0070C0"/>
-                </a:solidFill>
-              </a:rPr>
-              <a:t>reloadLessons</a:t>
-            </a:r>
-            <a:r>
-              <a:rPr lang="en-US" sz="1400" dirty="0">
-                <a:solidFill>
-                  <a:srgbClr val="0070C0"/>
-                </a:solidFill>
-              </a:rPr>
-              <a:t>”)</a:t>
+              <a:t>execute(“reload”)</a:t>
             </a:r>
           </a:p>
         </p:txBody>
@@ -4276,8 +4259,8 @@
         </p:nvCxnSpPr>
         <p:spPr>
           <a:xfrm>
-            <a:off x="1408920" y="4466998"/>
-            <a:ext cx="2085809" cy="0"/>
+            <a:off x="1984075" y="4466998"/>
+            <a:ext cx="1510654" cy="0"/>
           </a:xfrm>
           <a:prstGeom prst="straightConnector1">
             <a:avLst/>
@@ -4316,7 +4299,7 @@
         </p:nvCxnSpPr>
         <p:spPr>
           <a:xfrm>
-            <a:off x="150268" y="4763940"/>
+            <a:off x="720580" y="4766970"/>
             <a:ext cx="1087245" cy="0"/>
           </a:xfrm>
           <a:prstGeom prst="straightConnector1">

--- a/docs/diagrams/CsvLessonStorageSequenceDiagram.pptx
+++ b/docs/diagrams/CsvLessonStorageSequenceDiagram.pptx
@@ -208,7 +208,7 @@
           <a:p>
             <a:fld id="{F5CC4B3F-88C1-4FFA-B1B6-F41C21DC6924}" type="datetimeFigureOut">
               <a:rPr lang="en-US" smtClean="0"/>
-              <a:t>4/14/2019</a:t>
+              <a:t>4/15/2019</a:t>
             </a:fld>
             <a:endParaRPr lang="en-US"/>
           </a:p>
@@ -738,7 +738,7 @@
           <a:p>
             <a:fld id="{78C97017-6FC3-485B-9764-EAC9E56C1D49}" type="datetimeFigureOut">
               <a:rPr lang="en-US" smtClean="0"/>
-              <a:t>4/14/2019</a:t>
+              <a:t>4/15/2019</a:t>
             </a:fld>
             <a:endParaRPr lang="en-US"/>
           </a:p>
@@ -906,7 +906,7 @@
           <a:p>
             <a:fld id="{78C97017-6FC3-485B-9764-EAC9E56C1D49}" type="datetimeFigureOut">
               <a:rPr lang="en-US" smtClean="0"/>
-              <a:t>4/14/2019</a:t>
+              <a:t>4/15/2019</a:t>
             </a:fld>
             <a:endParaRPr lang="en-US"/>
           </a:p>
@@ -1084,7 +1084,7 @@
           <a:p>
             <a:fld id="{78C97017-6FC3-485B-9764-EAC9E56C1D49}" type="datetimeFigureOut">
               <a:rPr lang="en-US" smtClean="0"/>
-              <a:t>4/14/2019</a:t>
+              <a:t>4/15/2019</a:t>
             </a:fld>
             <a:endParaRPr lang="en-US"/>
           </a:p>
@@ -1252,7 +1252,7 @@
           <a:p>
             <a:fld id="{78C97017-6FC3-485B-9764-EAC9E56C1D49}" type="datetimeFigureOut">
               <a:rPr lang="en-US" smtClean="0"/>
-              <a:t>4/14/2019</a:t>
+              <a:t>4/15/2019</a:t>
             </a:fld>
             <a:endParaRPr lang="en-US"/>
           </a:p>
@@ -1497,7 +1497,7 @@
           <a:p>
             <a:fld id="{78C97017-6FC3-485B-9764-EAC9E56C1D49}" type="datetimeFigureOut">
               <a:rPr lang="en-US" smtClean="0"/>
-              <a:t>4/14/2019</a:t>
+              <a:t>4/15/2019</a:t>
             </a:fld>
             <a:endParaRPr lang="en-US"/>
           </a:p>
@@ -1782,7 +1782,7 @@
           <a:p>
             <a:fld id="{78C97017-6FC3-485B-9764-EAC9E56C1D49}" type="datetimeFigureOut">
               <a:rPr lang="en-US" smtClean="0"/>
-              <a:t>4/14/2019</a:t>
+              <a:t>4/15/2019</a:t>
             </a:fld>
             <a:endParaRPr lang="en-US"/>
           </a:p>
@@ -2201,7 +2201,7 @@
           <a:p>
             <a:fld id="{78C97017-6FC3-485B-9764-EAC9E56C1D49}" type="datetimeFigureOut">
               <a:rPr lang="en-US" smtClean="0"/>
-              <a:t>4/14/2019</a:t>
+              <a:t>4/15/2019</a:t>
             </a:fld>
             <a:endParaRPr lang="en-US"/>
           </a:p>
@@ -2318,7 +2318,7 @@
           <a:p>
             <a:fld id="{78C97017-6FC3-485B-9764-EAC9E56C1D49}" type="datetimeFigureOut">
               <a:rPr lang="en-US" smtClean="0"/>
-              <a:t>4/14/2019</a:t>
+              <a:t>4/15/2019</a:t>
             </a:fld>
             <a:endParaRPr lang="en-US"/>
           </a:p>
@@ -2413,7 +2413,7 @@
           <a:p>
             <a:fld id="{78C97017-6FC3-485B-9764-EAC9E56C1D49}" type="datetimeFigureOut">
               <a:rPr lang="en-US" smtClean="0"/>
-              <a:t>4/14/2019</a:t>
+              <a:t>4/15/2019</a:t>
             </a:fld>
             <a:endParaRPr lang="en-US"/>
           </a:p>
@@ -2688,7 +2688,7 @@
           <a:p>
             <a:fld id="{78C97017-6FC3-485B-9764-EAC9E56C1D49}" type="datetimeFigureOut">
               <a:rPr lang="en-US" smtClean="0"/>
-              <a:t>4/14/2019</a:t>
+              <a:t>4/15/2019</a:t>
             </a:fld>
             <a:endParaRPr lang="en-US"/>
           </a:p>
@@ -2940,7 +2940,7 @@
           <a:p>
             <a:fld id="{78C97017-6FC3-485B-9764-EAC9E56C1D49}" type="datetimeFigureOut">
               <a:rPr lang="en-US" smtClean="0"/>
-              <a:t>4/14/2019</a:t>
+              <a:t>4/15/2019</a:t>
             </a:fld>
             <a:endParaRPr lang="en-US"/>
           </a:p>
@@ -3151,7 +3151,7 @@
           <a:p>
             <a:fld id="{78C97017-6FC3-485B-9764-EAC9E56C1D49}" type="datetimeFigureOut">
               <a:rPr lang="en-US" smtClean="0"/>
-              <a:t>4/14/2019</a:t>
+              <a:t>4/15/2019</a:t>
             </a:fld>
             <a:endParaRPr lang="en-US"/>
           </a:p>

--- a/docs/diagrams/CsvLessonStorageSequenceDiagram.pptx
+++ b/docs/diagrams/CsvLessonStorageSequenceDiagram.pptx
@@ -208,7 +208,7 @@
           <a:p>
             <a:fld id="{F5CC4B3F-88C1-4FFA-B1B6-F41C21DC6924}" type="datetimeFigureOut">
               <a:rPr lang="en-US" smtClean="0"/>
-              <a:t>4/15/2019</a:t>
+              <a:t>4/14/2019</a:t>
             </a:fld>
             <a:endParaRPr lang="en-US"/>
           </a:p>
@@ -738,7 +738,7 @@
           <a:p>
             <a:fld id="{78C97017-6FC3-485B-9764-EAC9E56C1D49}" type="datetimeFigureOut">
               <a:rPr lang="en-US" smtClean="0"/>
-              <a:t>4/15/2019</a:t>
+              <a:t>4/14/2019</a:t>
             </a:fld>
             <a:endParaRPr lang="en-US"/>
           </a:p>
@@ -906,7 +906,7 @@
           <a:p>
             <a:fld id="{78C97017-6FC3-485B-9764-EAC9E56C1D49}" type="datetimeFigureOut">
               <a:rPr lang="en-US" smtClean="0"/>
-              <a:t>4/15/2019</a:t>
+              <a:t>4/14/2019</a:t>
             </a:fld>
             <a:endParaRPr lang="en-US"/>
           </a:p>
@@ -1084,7 +1084,7 @@
           <a:p>
             <a:fld id="{78C97017-6FC3-485B-9764-EAC9E56C1D49}" type="datetimeFigureOut">
               <a:rPr lang="en-US" smtClean="0"/>
-              <a:t>4/15/2019</a:t>
+              <a:t>4/14/2019</a:t>
             </a:fld>
             <a:endParaRPr lang="en-US"/>
           </a:p>
@@ -1252,7 +1252,7 @@
           <a:p>
             <a:fld id="{78C97017-6FC3-485B-9764-EAC9E56C1D49}" type="datetimeFigureOut">
               <a:rPr lang="en-US" smtClean="0"/>
-              <a:t>4/15/2019</a:t>
+              <a:t>4/14/2019</a:t>
             </a:fld>
             <a:endParaRPr lang="en-US"/>
           </a:p>
@@ -1497,7 +1497,7 @@
           <a:p>
             <a:fld id="{78C97017-6FC3-485B-9764-EAC9E56C1D49}" type="datetimeFigureOut">
               <a:rPr lang="en-US" smtClean="0"/>
-              <a:t>4/15/2019</a:t>
+              <a:t>4/14/2019</a:t>
             </a:fld>
             <a:endParaRPr lang="en-US"/>
           </a:p>
@@ -1782,7 +1782,7 @@
           <a:p>
             <a:fld id="{78C97017-6FC3-485B-9764-EAC9E56C1D49}" type="datetimeFigureOut">
               <a:rPr lang="en-US" smtClean="0"/>
-              <a:t>4/15/2019</a:t>
+              <a:t>4/14/2019</a:t>
             </a:fld>
             <a:endParaRPr lang="en-US"/>
           </a:p>
@@ -2201,7 +2201,7 @@
           <a:p>
             <a:fld id="{78C97017-6FC3-485B-9764-EAC9E56C1D49}" type="datetimeFigureOut">
               <a:rPr lang="en-US" smtClean="0"/>
-              <a:t>4/15/2019</a:t>
+              <a:t>4/14/2019</a:t>
             </a:fld>
             <a:endParaRPr lang="en-US"/>
           </a:p>
@@ -2318,7 +2318,7 @@
           <a:p>
             <a:fld id="{78C97017-6FC3-485B-9764-EAC9E56C1D49}" type="datetimeFigureOut">
               <a:rPr lang="en-US" smtClean="0"/>
-              <a:t>4/15/2019</a:t>
+              <a:t>4/14/2019</a:t>
             </a:fld>
             <a:endParaRPr lang="en-US"/>
           </a:p>
@@ -2413,7 +2413,7 @@
           <a:p>
             <a:fld id="{78C97017-6FC3-485B-9764-EAC9E56C1D49}" type="datetimeFigureOut">
               <a:rPr lang="en-US" smtClean="0"/>
-              <a:t>4/15/2019</a:t>
+              <a:t>4/14/2019</a:t>
             </a:fld>
             <a:endParaRPr lang="en-US"/>
           </a:p>
@@ -2688,7 +2688,7 @@
           <a:p>
             <a:fld id="{78C97017-6FC3-485B-9764-EAC9E56C1D49}" type="datetimeFigureOut">
               <a:rPr lang="en-US" smtClean="0"/>
-              <a:t>4/15/2019</a:t>
+              <a:t>4/14/2019</a:t>
             </a:fld>
             <a:endParaRPr lang="en-US"/>
           </a:p>
@@ -2940,7 +2940,7 @@
           <a:p>
             <a:fld id="{78C97017-6FC3-485B-9764-EAC9E56C1D49}" type="datetimeFigureOut">
               <a:rPr lang="en-US" smtClean="0"/>
-              <a:t>4/15/2019</a:t>
+              <a:t>4/14/2019</a:t>
             </a:fld>
             <a:endParaRPr lang="en-US"/>
           </a:p>
@@ -3151,7 +3151,7 @@
           <a:p>
             <a:fld id="{78C97017-6FC3-485B-9764-EAC9E56C1D49}" type="datetimeFigureOut">
               <a:rPr lang="en-US" smtClean="0"/>
-              <a:t>4/15/2019</a:t>
+              <a:t>4/14/2019</a:t>
             </a:fld>
             <a:endParaRPr lang="en-US"/>
           </a:p>
@@ -3534,7 +3534,7 @@
         </p:nvSpPr>
         <p:spPr>
           <a:xfrm>
-            <a:off x="807500" y="228600"/>
+            <a:off x="1377812" y="231630"/>
             <a:ext cx="1093635" cy="346760"/>
           </a:xfrm>
           <a:prstGeom prst="rect">
@@ -3595,7 +3595,7 @@
         </p:nvCxnSpPr>
         <p:spPr>
           <a:xfrm>
-            <a:off x="1324761" y="592271"/>
+            <a:off x="1895073" y="595301"/>
             <a:ext cx="0" cy="4284529"/>
           </a:xfrm>
           <a:prstGeom prst="line">
@@ -3632,7 +3632,7 @@
         </p:nvSpPr>
         <p:spPr>
           <a:xfrm>
-            <a:off x="1252753" y="942965"/>
+            <a:off x="1823065" y="945995"/>
             <a:ext cx="157884" cy="3824515"/>
           </a:xfrm>
           <a:prstGeom prst="rect">
@@ -3983,7 +3983,7 @@
         </p:nvCxnSpPr>
         <p:spPr>
           <a:xfrm flipV="1">
-            <a:off x="153601" y="943175"/>
+            <a:off x="723913" y="946205"/>
             <a:ext cx="1095607" cy="1"/>
           </a:xfrm>
           <a:prstGeom prst="straightConnector1">
@@ -4019,7 +4019,7 @@
         </p:nvSpPr>
         <p:spPr>
           <a:xfrm>
-            <a:off x="107342" y="1008004"/>
+            <a:off x="677654" y="1011034"/>
             <a:ext cx="1087245" cy="215444"/>
           </a:xfrm>
           <a:prstGeom prst="rect">
@@ -4035,10 +4035,9 @@
           <a:p>
             <a:pPr algn="ctr"/>
             <a:r>
-              <a:rPr lang="en-US" sz="1400" dirty="0" err="1"/>
-              <a:t>reloadLessons</a:t>
-            </a:r>
-            <a:endParaRPr lang="en-US" sz="1400" dirty="0"/>
+              <a:rPr lang="en-US" sz="1400" dirty="0"/>
+              <a:t>reload</a:t>
+            </a:r>
           </a:p>
         </p:txBody>
       </p:sp>
@@ -4052,8 +4051,8 @@
         </p:nvCxnSpPr>
         <p:spPr>
           <a:xfrm>
-            <a:off x="1394759" y="1048648"/>
-            <a:ext cx="2050129" cy="0"/>
+            <a:off x="1966823" y="1048648"/>
+            <a:ext cx="1478065" cy="0"/>
           </a:xfrm>
           <a:prstGeom prst="straightConnector1">
             <a:avLst/>
@@ -4088,7 +4087,7 @@
         </p:nvSpPr>
         <p:spPr>
           <a:xfrm>
-            <a:off x="1332950" y="1049398"/>
+            <a:off x="1594344" y="1058129"/>
             <a:ext cx="2185668" cy="215444"/>
           </a:xfrm>
           <a:prstGeom prst="rect">
@@ -4109,23 +4108,7 @@
                   <a:srgbClr val="0070C0"/>
                 </a:solidFill>
               </a:rPr>
-              <a:t>execute(“</a:t>
-            </a:r>
-            <a:r>
-              <a:rPr lang="en-US" sz="1400" dirty="0" err="1">
-                <a:solidFill>
-                  <a:srgbClr val="0070C0"/>
-                </a:solidFill>
-              </a:rPr>
-              <a:t>reloadLessons</a:t>
-            </a:r>
-            <a:r>
-              <a:rPr lang="en-US" sz="1400" dirty="0">
-                <a:solidFill>
-                  <a:srgbClr val="0070C0"/>
-                </a:solidFill>
-              </a:rPr>
-              <a:t>”)</a:t>
+              <a:t>execute(“reload”)</a:t>
             </a:r>
           </a:p>
         </p:txBody>
@@ -4276,8 +4259,8 @@
         </p:nvCxnSpPr>
         <p:spPr>
           <a:xfrm>
-            <a:off x="1408920" y="4466998"/>
-            <a:ext cx="2085809" cy="0"/>
+            <a:off x="1984075" y="4466998"/>
+            <a:ext cx="1510654" cy="0"/>
           </a:xfrm>
           <a:prstGeom prst="straightConnector1">
             <a:avLst/>
@@ -4316,7 +4299,7 @@
         </p:nvCxnSpPr>
         <p:spPr>
           <a:xfrm>
-            <a:off x="150268" y="4763940"/>
+            <a:off x="720580" y="4766970"/>
             <a:ext cx="1087245" cy="0"/>
           </a:xfrm>
           <a:prstGeom prst="straightConnector1">
